--- a/Too-Bus-Y for this.pptx
+++ b/Too-Bus-Y for this.pptx
@@ -108,6 +108,11 @@
       </a:defRPr>
     </a:lvl9pPr>
   </p:defaultTextStyle>
+  <p:extLst>
+    <p:ext uri="{EFAFB233-063F-42B5-8137-9DF3F51BA10A}">
+      <p15:sldGuideLst xmlns:p15="http://schemas.microsoft.com/office/powerpoint/2012/main"/>
+    </p:ext>
+  </p:extLst>
 </p:presentation>
 </file>
 
@@ -3381,15 +3386,7 @@
           <a:p>
             <a:r>
               <a:rPr lang="en-US" dirty="0"/>
-              <a:t>Group members: Daniel </a:t>
-            </a:r>
-            <a:r>
-              <a:rPr lang="en-US" dirty="0" err="1"/>
-              <a:t>Guieb</a:t>
-            </a:r>
-            <a:r>
-              <a:rPr lang="en-US" dirty="0"/>
-              <a:t>, </a:t>
+              <a:t>Group members: Daniel Guieb, </a:t>
             </a:r>
             <a:r>
               <a:rPr lang="en-US" dirty="0" err="1"/>
@@ -3397,15 +3394,7 @@
             </a:r>
             <a:r>
               <a:rPr lang="en-US" dirty="0"/>
-              <a:t> Niaz, </a:t>
-            </a:r>
-            <a:r>
-              <a:rPr lang="en-US" dirty="0" err="1"/>
-              <a:t>Huzmungay</a:t>
-            </a:r>
-            <a:r>
-              <a:rPr lang="en-US" dirty="0"/>
-              <a:t> Amar, Darin Nguyen</a:t>
+              <a:t> Niaz, Huzaifa Amar, Darin Nguyen</a:t>
             </a:r>
           </a:p>
         </p:txBody>

--- a/Too-Bus-Y for this.pptx
+++ b/Too-Bus-Y for this.pptx
@@ -10,6 +10,8 @@
     <p:sldId id="258" r:id="rId4"/>
     <p:sldId id="260" r:id="rId5"/>
     <p:sldId id="259" r:id="rId6"/>
+    <p:sldId id="261" r:id="rId7"/>
+    <p:sldId id="262" r:id="rId8"/>
   </p:sldIdLst>
   <p:sldSz cx="12192000" cy="6858000"/>
   <p:notesSz cx="6858000" cy="9144000"/>
@@ -3748,14 +3750,14 @@
             <p:ph idx="1"/>
             <p:extLst>
               <p:ext uri="{D42A27DB-BD31-4B8C-83A1-F6EECF244321}">
-                <p14:modId xmlns:p14="http://schemas.microsoft.com/office/powerpoint/2010/main" val="3486567297"/>
+                <p14:modId xmlns:p14="http://schemas.microsoft.com/office/powerpoint/2010/main" val="3223041794"/>
               </p:ext>
             </p:extLst>
           </p:nvPr>
         </p:nvGraphicFramePr>
         <p:xfrm>
-          <a:off x="838200" y="1908753"/>
-          <a:ext cx="10515600" cy="2865120"/>
+          <a:off x="838200" y="1861820"/>
+          <a:ext cx="10515600" cy="3134360"/>
         </p:xfrm>
         <a:graphic>
           <a:graphicData uri="http://schemas.openxmlformats.org/drawingml/2006/table">
@@ -3940,7 +3942,10 @@
                     <a:bodyPr/>
                     <a:lstStyle/>
                     <a:p>
-                      <a:endParaRPr lang="en-US"/>
+                      <a:r>
+                        <a:rPr lang="en-US" dirty="0"/>
+                        <a:t>Discuss algorithm and implementation of code</a:t>
+                      </a:r>
                     </a:p>
                   </a:txBody>
                   <a:tcPr/>
@@ -3950,7 +3955,10 @@
                     <a:bodyPr/>
                     <a:lstStyle/>
                     <a:p>
-                      <a:endParaRPr lang="en-US"/>
+                      <a:r>
+                        <a:rPr lang="en-US" dirty="0"/>
+                        <a:t>4</a:t>
+                      </a:r>
                     </a:p>
                   </a:txBody>
                   <a:tcPr/>
@@ -3967,6 +3975,73 @@
                     <a:bodyPr/>
                     <a:lstStyle/>
                     <a:p>
+                      <a:r>
+                        <a:rPr lang="en-US" dirty="0"/>
+                        <a:t>11:00 am – 2:00 pm</a:t>
+                      </a:r>
+                    </a:p>
+                  </a:txBody>
+                  <a:tcPr/>
+                </a:tc>
+                <a:tc>
+                  <a:txBody>
+                    <a:bodyPr/>
+                    <a:lstStyle/>
+                    <a:p>
+                      <a:r>
+                        <a:rPr lang="en-US" dirty="0"/>
+                        <a:t>Implement program in Java</a:t>
+                      </a:r>
+                    </a:p>
+                  </a:txBody>
+                  <a:tcPr/>
+                </a:tc>
+                <a:tc>
+                  <a:txBody>
+                    <a:bodyPr/>
+                    <a:lstStyle/>
+                    <a:p>
+                      <a:r>
+                        <a:rPr lang="en-US" dirty="0"/>
+                        <a:t>4</a:t>
+                      </a:r>
+                    </a:p>
+                  </a:txBody>
+                  <a:tcPr/>
+                </a:tc>
+                <a:extLst>
+                  <a:ext uri="{0D108BD9-81ED-4DB2-BD59-A6C34878D82A}">
+                    <a16:rowId xmlns:a16="http://schemas.microsoft.com/office/drawing/2014/main" val="1476203038"/>
+                  </a:ext>
+                </a:extLst>
+              </a:tr>
+              <a:tr h="741680">
+                <a:tc>
+                  <a:txBody>
+                    <a:bodyPr/>
+                    <a:lstStyle/>
+                    <a:p>
+                      <a:r>
+                        <a:rPr lang="en-US" dirty="0"/>
+                        <a:t>12:00 am – 2:00 pm</a:t>
+                      </a:r>
+                    </a:p>
+                  </a:txBody>
+                  <a:tcPr/>
+                </a:tc>
+                <a:tc>
+                  <a:txBody>
+                    <a:bodyPr/>
+                    <a:lstStyle/>
+                    <a:p>
+                      <a:r>
+                        <a:rPr lang="en-US" dirty="0"/>
+                        <a:t>Create </a:t>
+                      </a:r>
+                      <a:r>
+                        <a:rPr lang="en-US" dirty="0" err="1"/>
+                        <a:t>Powerpoint</a:t>
+                      </a:r>
                       <a:endParaRPr lang="en-US" dirty="0"/>
                     </a:p>
                   </a:txBody>
@@ -3977,54 +4052,10 @@
                     <a:bodyPr/>
                     <a:lstStyle/>
                     <a:p>
-                      <a:endParaRPr lang="en-US"/>
-                    </a:p>
-                  </a:txBody>
-                  <a:tcPr/>
-                </a:tc>
-                <a:tc>
-                  <a:txBody>
-                    <a:bodyPr/>
-                    <a:lstStyle/>
-                    <a:p>
-                      <a:endParaRPr lang="en-US"/>
-                    </a:p>
-                  </a:txBody>
-                  <a:tcPr/>
-                </a:tc>
-                <a:extLst>
-                  <a:ext uri="{0D108BD9-81ED-4DB2-BD59-A6C34878D82A}">
-                    <a16:rowId xmlns:a16="http://schemas.microsoft.com/office/drawing/2014/main" val="1476203038"/>
-                  </a:ext>
-                </a:extLst>
-              </a:tr>
-              <a:tr h="370840">
-                <a:tc>
-                  <a:txBody>
-                    <a:bodyPr/>
-                    <a:lstStyle/>
-                    <a:p>
-                      <a:endParaRPr lang="en-US"/>
-                    </a:p>
-                  </a:txBody>
-                  <a:tcPr/>
-                </a:tc>
-                <a:tc>
-                  <a:txBody>
-                    <a:bodyPr/>
-                    <a:lstStyle/>
-                    <a:p>
-                      <a:endParaRPr lang="en-US"/>
-                    </a:p>
-                  </a:txBody>
-                  <a:tcPr/>
-                </a:tc>
-                <a:tc>
-                  <a:txBody>
-                    <a:bodyPr/>
-                    <a:lstStyle/>
-                    <a:p>
-                      <a:endParaRPr lang="en-US"/>
+                      <a:r>
+                        <a:rPr lang="en-US" dirty="0"/>
+                        <a:t>1</a:t>
+                      </a:r>
                     </a:p>
                   </a:txBody>
                   <a:tcPr/>
@@ -4032,43 +4063,6 @@
                 <a:extLst>
                   <a:ext uri="{0D108BD9-81ED-4DB2-BD59-A6C34878D82A}">
                     <a16:rowId xmlns:a16="http://schemas.microsoft.com/office/drawing/2014/main" val="4176982932"/>
-                  </a:ext>
-                </a:extLst>
-              </a:tr>
-              <a:tr h="370840">
-                <a:tc>
-                  <a:txBody>
-                    <a:bodyPr/>
-                    <a:lstStyle/>
-                    <a:p>
-                      <a:endParaRPr lang="en-US"/>
-                    </a:p>
-                  </a:txBody>
-                  <a:tcPr/>
-                </a:tc>
-                <a:tc>
-                  <a:txBody>
-                    <a:bodyPr/>
-                    <a:lstStyle/>
-                    <a:p>
-                      <a:endParaRPr lang="en-US"/>
-                    </a:p>
-                  </a:txBody>
-                  <a:tcPr/>
-                </a:tc>
-                <a:tc>
-                  <a:txBody>
-                    <a:bodyPr/>
-                    <a:lstStyle/>
-                    <a:p>
-                      <a:endParaRPr lang="en-US" dirty="0"/>
-                    </a:p>
-                  </a:txBody>
-                  <a:tcPr/>
-                </a:tc>
-                <a:extLst>
-                  <a:ext uri="{0D108BD9-81ED-4DB2-BD59-A6C34878D82A}">
-                    <a16:rowId xmlns:a16="http://schemas.microsoft.com/office/drawing/2014/main" val="2084918331"/>
                   </a:ext>
                 </a:extLst>
               </a:tr>
@@ -4171,10 +4165,425 @@
           </a:p>
         </p:txBody>
       </p:sp>
+      <p:graphicFrame>
+        <p:nvGraphicFramePr>
+          <p:cNvPr id="4" name="Table 3">
+            <a:extLst>
+              <a:ext uri="{FF2B5EF4-FFF2-40B4-BE49-F238E27FC236}">
+                <a16:creationId xmlns:a16="http://schemas.microsoft.com/office/drawing/2014/main" id="{EB947982-BBCB-4CF9-9FB7-8CAA639BF11C}"/>
+              </a:ext>
+            </a:extLst>
+          </p:cNvPr>
+          <p:cNvGraphicFramePr>
+            <a:graphicFrameLocks noGrp="1"/>
+          </p:cNvGraphicFramePr>
+          <p:nvPr>
+            <p:extLst>
+              <p:ext uri="{D42A27DB-BD31-4B8C-83A1-F6EECF244321}">
+                <p14:modId xmlns:p14="http://schemas.microsoft.com/office/powerpoint/2010/main" val="1428682734"/>
+              </p:ext>
+            </p:extLst>
+          </p:nvPr>
+        </p:nvGraphicFramePr>
+        <p:xfrm>
+          <a:off x="2032000" y="3919220"/>
+          <a:ext cx="8128000" cy="2123440"/>
+        </p:xfrm>
+        <a:graphic>
+          <a:graphicData uri="http://schemas.openxmlformats.org/drawingml/2006/table">
+            <a:tbl>
+              <a:tblPr firstRow="1" bandRow="1">
+                <a:tableStyleId>{5C22544A-7EE6-4342-B048-85BDC9FD1C3A}</a:tableStyleId>
+              </a:tblPr>
+              <a:tblGrid>
+                <a:gridCol w="4064000">
+                  <a:extLst>
+                    <a:ext uri="{9D8B030D-6E8A-4147-A177-3AD203B41FA5}">
+                      <a16:colId xmlns:a16="http://schemas.microsoft.com/office/drawing/2014/main" val="3097441799"/>
+                    </a:ext>
+                  </a:extLst>
+                </a:gridCol>
+                <a:gridCol w="4064000">
+                  <a:extLst>
+                    <a:ext uri="{9D8B030D-6E8A-4147-A177-3AD203B41FA5}">
+                      <a16:colId xmlns:a16="http://schemas.microsoft.com/office/drawing/2014/main" val="4056608631"/>
+                    </a:ext>
+                  </a:extLst>
+                </a:gridCol>
+              </a:tblGrid>
+              <a:tr h="370840">
+                <a:tc>
+                  <a:txBody>
+                    <a:bodyPr/>
+                    <a:lstStyle/>
+                    <a:p>
+                      <a:r>
+                        <a:rPr lang="en-US" dirty="0"/>
+                        <a:t>Pros</a:t>
+                      </a:r>
+                    </a:p>
+                  </a:txBody>
+                  <a:tcPr/>
+                </a:tc>
+                <a:tc>
+                  <a:txBody>
+                    <a:bodyPr/>
+                    <a:lstStyle/>
+                    <a:p>
+                      <a:r>
+                        <a:rPr lang="en-US" dirty="0"/>
+                        <a:t>Cons</a:t>
+                      </a:r>
+                    </a:p>
+                  </a:txBody>
+                  <a:tcPr/>
+                </a:tc>
+                <a:extLst>
+                  <a:ext uri="{0D108BD9-81ED-4DB2-BD59-A6C34878D82A}">
+                    <a16:rowId xmlns:a16="http://schemas.microsoft.com/office/drawing/2014/main" val="3964720428"/>
+                  </a:ext>
+                </a:extLst>
+              </a:tr>
+              <a:tr h="370840">
+                <a:tc>
+                  <a:txBody>
+                    <a:bodyPr/>
+                    <a:lstStyle/>
+                    <a:p>
+                      <a:r>
+                        <a:rPr lang="en-US" dirty="0"/>
+                        <a:t>Relatively simple to implement given allotted time</a:t>
+                      </a:r>
+                    </a:p>
+                  </a:txBody>
+                  <a:tcPr/>
+                </a:tc>
+                <a:tc>
+                  <a:txBody>
+                    <a:bodyPr/>
+                    <a:lstStyle/>
+                    <a:p>
+                      <a:r>
+                        <a:rPr lang="en-US" dirty="0"/>
+                        <a:t>Inefficient and some routes will take a while</a:t>
+                      </a:r>
+                    </a:p>
+                  </a:txBody>
+                  <a:tcPr/>
+                </a:tc>
+                <a:extLst>
+                  <a:ext uri="{0D108BD9-81ED-4DB2-BD59-A6C34878D82A}">
+                    <a16:rowId xmlns:a16="http://schemas.microsoft.com/office/drawing/2014/main" val="2429911650"/>
+                  </a:ext>
+                </a:extLst>
+              </a:tr>
+              <a:tr h="370840">
+                <a:tc>
+                  <a:txBody>
+                    <a:bodyPr/>
+                    <a:lstStyle/>
+                    <a:p>
+                      <a:r>
+                        <a:rPr lang="en-US" dirty="0"/>
+                        <a:t>Fast computation time for the CPU</a:t>
+                      </a:r>
+                    </a:p>
+                  </a:txBody>
+                  <a:tcPr/>
+                </a:tc>
+                <a:tc>
+                  <a:txBody>
+                    <a:bodyPr/>
+                    <a:lstStyle/>
+                    <a:p>
+                      <a:endParaRPr lang="en-US" dirty="0"/>
+                    </a:p>
+                  </a:txBody>
+                  <a:tcPr/>
+                </a:tc>
+                <a:extLst>
+                  <a:ext uri="{0D108BD9-81ED-4DB2-BD59-A6C34878D82A}">
+                    <a16:rowId xmlns:a16="http://schemas.microsoft.com/office/drawing/2014/main" val="2374887209"/>
+                  </a:ext>
+                </a:extLst>
+              </a:tr>
+              <a:tr h="370840">
+                <a:tc rowSpan="2">
+                  <a:txBody>
+                    <a:bodyPr/>
+                    <a:lstStyle/>
+                    <a:p>
+                      <a:r>
+                        <a:rPr lang="en-US" dirty="0"/>
+                        <a:t>Minimal Searching and comparing required</a:t>
+                      </a:r>
+                    </a:p>
+                  </a:txBody>
+                  <a:tcPr/>
+                </a:tc>
+                <a:tc>
+                  <a:txBody>
+                    <a:bodyPr/>
+                    <a:lstStyle/>
+                    <a:p>
+                      <a:endParaRPr lang="en-US"/>
+                    </a:p>
+                  </a:txBody>
+                  <a:tcPr/>
+                </a:tc>
+                <a:extLst>
+                  <a:ext uri="{0D108BD9-81ED-4DB2-BD59-A6C34878D82A}">
+                    <a16:rowId xmlns:a16="http://schemas.microsoft.com/office/drawing/2014/main" val="768570651"/>
+                  </a:ext>
+                </a:extLst>
+              </a:tr>
+              <a:tr h="370840">
+                <a:tc vMerge="1">
+                  <a:txBody>
+                    <a:bodyPr/>
+                    <a:lstStyle/>
+                    <a:p>
+                      <a:endParaRPr lang="en-US" dirty="0"/>
+                    </a:p>
+                  </a:txBody>
+                  <a:tcPr/>
+                </a:tc>
+                <a:tc>
+                  <a:txBody>
+                    <a:bodyPr/>
+                    <a:lstStyle/>
+                    <a:p>
+                      <a:endParaRPr lang="en-US" dirty="0"/>
+                    </a:p>
+                  </a:txBody>
+                  <a:tcPr/>
+                </a:tc>
+                <a:extLst>
+                  <a:ext uri="{0D108BD9-81ED-4DB2-BD59-A6C34878D82A}">
+                    <a16:rowId xmlns:a16="http://schemas.microsoft.com/office/drawing/2014/main" val="3527268984"/>
+                  </a:ext>
+                </a:extLst>
+              </a:tr>
+            </a:tbl>
+          </a:graphicData>
+        </a:graphic>
+      </p:graphicFrame>
     </p:spTree>
     <p:extLst>
       <p:ext uri="{BB962C8B-B14F-4D97-AF65-F5344CB8AC3E}">
         <p14:creationId xmlns:p14="http://schemas.microsoft.com/office/powerpoint/2010/main" val="1572936496"/>
+      </p:ext>
+    </p:extLst>
+  </p:cSld>
+  <p:clrMapOvr>
+    <a:masterClrMapping/>
+  </p:clrMapOvr>
+</p:sld>
+</file>
+
+<file path=ppt/slides/slide6.xml><?xml version="1.0" encoding="utf-8"?>
+<p:sld xmlns:a="http://schemas.openxmlformats.org/drawingml/2006/main" xmlns:r="http://schemas.openxmlformats.org/officeDocument/2006/relationships" xmlns:p="http://schemas.openxmlformats.org/presentationml/2006/main">
+  <p:cSld>
+    <p:spTree>
+      <p:nvGrpSpPr>
+        <p:cNvPr id="1" name=""/>
+        <p:cNvGrpSpPr/>
+        <p:nvPr/>
+      </p:nvGrpSpPr>
+      <p:grpSpPr>
+        <a:xfrm>
+          <a:off x="0" y="0"/>
+          <a:ext cx="0" cy="0"/>
+          <a:chOff x="0" y="0"/>
+          <a:chExt cx="0" cy="0"/>
+        </a:xfrm>
+      </p:grpSpPr>
+      <p:sp>
+        <p:nvSpPr>
+          <p:cNvPr id="2" name="Title 1">
+            <a:extLst>
+              <a:ext uri="{FF2B5EF4-FFF2-40B4-BE49-F238E27FC236}">
+                <a16:creationId xmlns:a16="http://schemas.microsoft.com/office/drawing/2014/main" id="{08D50A91-16E7-4D17-88AE-E5A7834F1E17}"/>
+              </a:ext>
+            </a:extLst>
+          </p:cNvPr>
+          <p:cNvSpPr>
+            <a:spLocks noGrp="1"/>
+          </p:cNvSpPr>
+          <p:nvPr>
+            <p:ph type="title"/>
+          </p:nvPr>
+        </p:nvSpPr>
+        <p:spPr/>
+        <p:txBody>
+          <a:bodyPr/>
+          <a:lstStyle/>
+          <a:p>
+            <a:r>
+              <a:rPr lang="en-US" dirty="0"/>
+              <a:t>Design - Cost/Commute Time/How many Busses run </a:t>
+            </a:r>
+          </a:p>
+        </p:txBody>
+      </p:sp>
+      <p:sp>
+        <p:nvSpPr>
+          <p:cNvPr id="3" name="Content Placeholder 2">
+            <a:extLst>
+              <a:ext uri="{FF2B5EF4-FFF2-40B4-BE49-F238E27FC236}">
+                <a16:creationId xmlns:a16="http://schemas.microsoft.com/office/drawing/2014/main" id="{3BEC819A-057A-4B43-AC2B-9F6BBA6D8433}"/>
+              </a:ext>
+            </a:extLst>
+          </p:cNvPr>
+          <p:cNvSpPr>
+            <a:spLocks noGrp="1"/>
+          </p:cNvSpPr>
+          <p:nvPr>
+            <p:ph idx="1"/>
+          </p:nvPr>
+        </p:nvSpPr>
+        <p:spPr/>
+        <p:txBody>
+          <a:bodyPr/>
+          <a:lstStyle/>
+          <a:p>
+            <a:r>
+              <a:rPr lang="en-US" dirty="0"/>
+              <a:t>Based on Route Calculation</a:t>
+            </a:r>
+          </a:p>
+          <a:p>
+            <a:r>
+              <a:rPr lang="en-US" dirty="0"/>
+              <a:t>Commute Time: Sum of all vector components in a route.</a:t>
+            </a:r>
+          </a:p>
+          <a:p>
+            <a:r>
+              <a:rPr lang="en-US" dirty="0"/>
+              <a:t>Cost: Cost per bus multiplied by number of busses and fuel consumption per bus.</a:t>
+            </a:r>
+          </a:p>
+          <a:p>
+            <a:r>
+              <a:rPr lang="en-US" dirty="0"/>
+              <a:t>No. Busses calculated using a proportion system. </a:t>
+            </a:r>
+          </a:p>
+          <a:p>
+            <a:pPr lvl="1"/>
+            <a:r>
+              <a:rPr lang="en-US" dirty="0"/>
+              <a:t>E.g. if X number of people are waiting to be picked up at stop A and Y number of people are waiting to be picked up from stop B, then the number of people picked up by a given bus at stop A is given by:</a:t>
+            </a:r>
+            <a:br>
+              <a:rPr lang="en-US" dirty="0"/>
+            </a:br>
+            <a:r>
+              <a:rPr lang="en-US" dirty="0"/>
+              <a:t>				</a:t>
+            </a:r>
+            <a:br>
+              <a:rPr lang="en-US" dirty="0"/>
+            </a:br>
+            <a:r>
+              <a:rPr lang="en-US" dirty="0"/>
+              <a:t>				 X/(X + Y) * bus capacity</a:t>
+            </a:r>
+          </a:p>
+          <a:p>
+            <a:pPr lvl="1"/>
+            <a:endParaRPr lang="en-US" dirty="0"/>
+          </a:p>
+        </p:txBody>
+      </p:sp>
+    </p:spTree>
+    <p:extLst>
+      <p:ext uri="{BB962C8B-B14F-4D97-AF65-F5344CB8AC3E}">
+        <p14:creationId xmlns:p14="http://schemas.microsoft.com/office/powerpoint/2010/main" val="2862275677"/>
+      </p:ext>
+    </p:extLst>
+  </p:cSld>
+  <p:clrMapOvr>
+    <a:masterClrMapping/>
+  </p:clrMapOvr>
+</p:sld>
+</file>
+
+<file path=ppt/slides/slide7.xml><?xml version="1.0" encoding="utf-8"?>
+<p:sld xmlns:a="http://schemas.openxmlformats.org/drawingml/2006/main" xmlns:r="http://schemas.openxmlformats.org/officeDocument/2006/relationships" xmlns:p="http://schemas.openxmlformats.org/presentationml/2006/main">
+  <p:cSld>
+    <p:spTree>
+      <p:nvGrpSpPr>
+        <p:cNvPr id="1" name=""/>
+        <p:cNvGrpSpPr/>
+        <p:nvPr/>
+      </p:nvGrpSpPr>
+      <p:grpSpPr>
+        <a:xfrm>
+          <a:off x="0" y="0"/>
+          <a:ext cx="0" cy="0"/>
+          <a:chOff x="0" y="0"/>
+          <a:chExt cx="0" cy="0"/>
+        </a:xfrm>
+      </p:grpSpPr>
+      <p:sp>
+        <p:nvSpPr>
+          <p:cNvPr id="2" name="Title 1">
+            <a:extLst>
+              <a:ext uri="{FF2B5EF4-FFF2-40B4-BE49-F238E27FC236}">
+                <a16:creationId xmlns:a16="http://schemas.microsoft.com/office/drawing/2014/main" id="{7A573781-7BDB-4BC9-AF1D-930F84515BD1}"/>
+              </a:ext>
+            </a:extLst>
+          </p:cNvPr>
+          <p:cNvSpPr>
+            <a:spLocks noGrp="1"/>
+          </p:cNvSpPr>
+          <p:nvPr>
+            <p:ph type="title"/>
+          </p:nvPr>
+        </p:nvSpPr>
+        <p:spPr/>
+        <p:txBody>
+          <a:bodyPr/>
+          <a:lstStyle/>
+          <a:p>
+            <a:r>
+              <a:rPr lang="en-US" dirty="0"/>
+              <a:t>Cost Effectiveness</a:t>
+            </a:r>
+          </a:p>
+        </p:txBody>
+      </p:sp>
+      <p:sp>
+        <p:nvSpPr>
+          <p:cNvPr id="3" name="Content Placeholder 2">
+            <a:extLst>
+              <a:ext uri="{FF2B5EF4-FFF2-40B4-BE49-F238E27FC236}">
+                <a16:creationId xmlns:a16="http://schemas.microsoft.com/office/drawing/2014/main" id="{8DA54D6A-394A-4228-96D9-012732598D25}"/>
+              </a:ext>
+            </a:extLst>
+          </p:cNvPr>
+          <p:cNvSpPr>
+            <a:spLocks noGrp="1"/>
+          </p:cNvSpPr>
+          <p:nvPr>
+            <p:ph idx="1"/>
+          </p:nvPr>
+        </p:nvSpPr>
+        <p:spPr/>
+        <p:txBody>
+          <a:bodyPr/>
+          <a:lstStyle/>
+          <a:p>
+            <a:endParaRPr lang="en-US" dirty="0"/>
+          </a:p>
+        </p:txBody>
+      </p:sp>
+    </p:spTree>
+    <p:extLst>
+      <p:ext uri="{BB962C8B-B14F-4D97-AF65-F5344CB8AC3E}">
+        <p14:creationId xmlns:p14="http://schemas.microsoft.com/office/powerpoint/2010/main" val="2114523652"/>
       </p:ext>
     </p:extLst>
   </p:cSld>

--- a/Too-Bus-Y for this.pptx
+++ b/Too-Bus-Y for this.pptx
@@ -9,9 +9,10 @@
     <p:sldId id="257" r:id="rId3"/>
     <p:sldId id="258" r:id="rId4"/>
     <p:sldId id="260" r:id="rId5"/>
-    <p:sldId id="259" r:id="rId6"/>
-    <p:sldId id="261" r:id="rId7"/>
-    <p:sldId id="262" r:id="rId8"/>
+    <p:sldId id="263" r:id="rId6"/>
+    <p:sldId id="259" r:id="rId7"/>
+    <p:sldId id="261" r:id="rId8"/>
+    <p:sldId id="262" r:id="rId9"/>
   </p:sldIdLst>
   <p:sldSz cx="12192000" cy="6858000"/>
   <p:notesSz cx="6858000" cy="9144000"/>
@@ -4105,6 +4106,395 @@
           <p:cNvPr id="2" name="Title 1">
             <a:extLst>
               <a:ext uri="{FF2B5EF4-FFF2-40B4-BE49-F238E27FC236}">
+                <a16:creationId xmlns:a16="http://schemas.microsoft.com/office/drawing/2014/main" id="{29A24B76-3CC4-479F-A3AF-318CD89AD2FD}"/>
+              </a:ext>
+            </a:extLst>
+          </p:cNvPr>
+          <p:cNvSpPr>
+            <a:spLocks noGrp="1"/>
+          </p:cNvSpPr>
+          <p:nvPr>
+            <p:ph type="title"/>
+          </p:nvPr>
+        </p:nvSpPr>
+        <p:spPr/>
+        <p:txBody>
+          <a:bodyPr/>
+          <a:lstStyle/>
+          <a:p>
+            <a:r>
+              <a:rPr lang="en-US" dirty="0"/>
+              <a:t>Design - Structure</a:t>
+            </a:r>
+          </a:p>
+        </p:txBody>
+      </p:sp>
+      <p:sp>
+        <p:nvSpPr>
+          <p:cNvPr id="3" name="Content Placeholder 2">
+            <a:extLst>
+              <a:ext uri="{FF2B5EF4-FFF2-40B4-BE49-F238E27FC236}">
+                <a16:creationId xmlns:a16="http://schemas.microsoft.com/office/drawing/2014/main" id="{24E48BF9-076B-4E64-A4C4-0620AC4C9846}"/>
+              </a:ext>
+            </a:extLst>
+          </p:cNvPr>
+          <p:cNvSpPr>
+            <a:spLocks noGrp="1"/>
+          </p:cNvSpPr>
+          <p:nvPr>
+            <p:ph idx="1"/>
+          </p:nvPr>
+        </p:nvSpPr>
+        <p:spPr/>
+        <p:txBody>
+          <a:bodyPr/>
+          <a:lstStyle/>
+          <a:p>
+            <a:r>
+              <a:rPr lang="en-US" dirty="0"/>
+              <a:t>MVC architecture</a:t>
+            </a:r>
+          </a:p>
+          <a:p>
+            <a:pPr lvl="1"/>
+            <a:r>
+              <a:rPr lang="en-US" dirty="0"/>
+              <a:t>Model: Logical structure of data. Updates and changes user interface.</a:t>
+            </a:r>
+          </a:p>
+          <a:p>
+            <a:pPr lvl="1"/>
+            <a:r>
+              <a:rPr lang="en-US" dirty="0"/>
+              <a:t>View: User interface. Sends input to the controller.</a:t>
+            </a:r>
+          </a:p>
+          <a:p>
+            <a:pPr lvl="1"/>
+            <a:r>
+              <a:rPr lang="en-US" dirty="0"/>
+              <a:t>Controller: Interfaces Views and Models.</a:t>
+            </a:r>
+          </a:p>
+          <a:p>
+            <a:pPr lvl="1"/>
+            <a:endParaRPr lang="en-US" dirty="0"/>
+          </a:p>
+        </p:txBody>
+      </p:sp>
+      <p:graphicFrame>
+        <p:nvGraphicFramePr>
+          <p:cNvPr id="4" name="Table 3">
+            <a:extLst>
+              <a:ext uri="{FF2B5EF4-FFF2-40B4-BE49-F238E27FC236}">
+                <a16:creationId xmlns:a16="http://schemas.microsoft.com/office/drawing/2014/main" id="{6E89A484-6F0D-4FF3-A5A5-CCCFE1394C36}"/>
+              </a:ext>
+            </a:extLst>
+          </p:cNvPr>
+          <p:cNvGraphicFramePr>
+            <a:graphicFrameLocks noGrp="1"/>
+          </p:cNvGraphicFramePr>
+          <p:nvPr>
+            <p:extLst>
+              <p:ext uri="{D42A27DB-BD31-4B8C-83A1-F6EECF244321}">
+                <p14:modId xmlns:p14="http://schemas.microsoft.com/office/powerpoint/2010/main" val="2699529942"/>
+              </p:ext>
+            </p:extLst>
+          </p:nvPr>
+        </p:nvGraphicFramePr>
+        <p:xfrm>
+          <a:off x="838199" y="3716020"/>
+          <a:ext cx="10515600" cy="2865120"/>
+        </p:xfrm>
+        <a:graphic>
+          <a:graphicData uri="http://schemas.openxmlformats.org/drawingml/2006/table">
+            <a:tbl>
+              <a:tblPr firstRow="1" bandRow="1">
+                <a:tableStyleId>{5C22544A-7EE6-4342-B048-85BDC9FD1C3A}</a:tableStyleId>
+              </a:tblPr>
+              <a:tblGrid>
+                <a:gridCol w="5257800">
+                  <a:extLst>
+                    <a:ext uri="{9D8B030D-6E8A-4147-A177-3AD203B41FA5}">
+                      <a16:colId xmlns:a16="http://schemas.microsoft.com/office/drawing/2014/main" val="311489327"/>
+                    </a:ext>
+                  </a:extLst>
+                </a:gridCol>
+                <a:gridCol w="5257800">
+                  <a:extLst>
+                    <a:ext uri="{9D8B030D-6E8A-4147-A177-3AD203B41FA5}">
+                      <a16:colId xmlns:a16="http://schemas.microsoft.com/office/drawing/2014/main" val="756544101"/>
+                    </a:ext>
+                  </a:extLst>
+                </a:gridCol>
+              </a:tblGrid>
+              <a:tr h="370840">
+                <a:tc>
+                  <a:txBody>
+                    <a:bodyPr/>
+                    <a:lstStyle/>
+                    <a:p>
+                      <a:r>
+                        <a:rPr lang="en-US" dirty="0"/>
+                        <a:t>Pros</a:t>
+                      </a:r>
+                    </a:p>
+                  </a:txBody>
+                  <a:tcPr/>
+                </a:tc>
+                <a:tc>
+                  <a:txBody>
+                    <a:bodyPr/>
+                    <a:lstStyle/>
+                    <a:p>
+                      <a:r>
+                        <a:rPr lang="en-US" dirty="0"/>
+                        <a:t>Cons</a:t>
+                      </a:r>
+                    </a:p>
+                  </a:txBody>
+                  <a:tcPr/>
+                </a:tc>
+                <a:extLst>
+                  <a:ext uri="{0D108BD9-81ED-4DB2-BD59-A6C34878D82A}">
+                    <a16:rowId xmlns:a16="http://schemas.microsoft.com/office/drawing/2014/main" val="2865619683"/>
+                  </a:ext>
+                </a:extLst>
+              </a:tr>
+              <a:tr h="370840">
+                <a:tc>
+                  <a:txBody>
+                    <a:bodyPr/>
+                    <a:lstStyle/>
+                    <a:p>
+                      <a:r>
+                        <a:rPr lang="en-US" dirty="0"/>
+                        <a:t>Group members can work on different parts at the same time making the process faster.</a:t>
+                      </a:r>
+                    </a:p>
+                  </a:txBody>
+                  <a:tcPr/>
+                </a:tc>
+                <a:tc>
+                  <a:txBody>
+                    <a:bodyPr/>
+                    <a:lstStyle/>
+                    <a:p>
+                      <a:r>
+                        <a:rPr lang="en-US" dirty="0"/>
+                        <a:t>Complex</a:t>
+                      </a:r>
+                    </a:p>
+                  </a:txBody>
+                  <a:tcPr/>
+                </a:tc>
+                <a:extLst>
+                  <a:ext uri="{0D108BD9-81ED-4DB2-BD59-A6C34878D82A}">
+                    <a16:rowId xmlns:a16="http://schemas.microsoft.com/office/drawing/2014/main" val="2051308372"/>
+                  </a:ext>
+                </a:extLst>
+              </a:tr>
+              <a:tr h="370840">
+                <a:tc>
+                  <a:txBody>
+                    <a:bodyPr/>
+                    <a:lstStyle/>
+                    <a:p>
+                      <a:r>
+                        <a:rPr lang="en-US" dirty="0"/>
+                        <a:t>Multiple user interfaces is an option.</a:t>
+                      </a:r>
+                    </a:p>
+                  </a:txBody>
+                  <a:tcPr/>
+                </a:tc>
+                <a:tc>
+                  <a:txBody>
+                    <a:bodyPr/>
+                    <a:lstStyle/>
+                    <a:p>
+                      <a:r>
+                        <a:rPr lang="en-US" dirty="0"/>
+                        <a:t>Inefficiency of data access in view</a:t>
+                      </a:r>
+                    </a:p>
+                  </a:txBody>
+                  <a:tcPr/>
+                </a:tc>
+                <a:extLst>
+                  <a:ext uri="{0D108BD9-81ED-4DB2-BD59-A6C34878D82A}">
+                    <a16:rowId xmlns:a16="http://schemas.microsoft.com/office/drawing/2014/main" val="996892042"/>
+                  </a:ext>
+                </a:extLst>
+              </a:tr>
+              <a:tr h="370840">
+                <a:tc>
+                  <a:txBody>
+                    <a:bodyPr/>
+                    <a:lstStyle/>
+                    <a:p>
+                      <a:r>
+                        <a:rPr lang="en-US" dirty="0"/>
+                        <a:t>Fast loading.</a:t>
+                      </a:r>
+                    </a:p>
+                  </a:txBody>
+                  <a:tcPr/>
+                </a:tc>
+                <a:tc>
+                  <a:txBody>
+                    <a:bodyPr/>
+                    <a:lstStyle/>
+                    <a:p>
+                      <a:r>
+                        <a:rPr lang="en-US" dirty="0"/>
+                        <a:t>Difficult to use with modern user interfaces</a:t>
+                      </a:r>
+                    </a:p>
+                  </a:txBody>
+                  <a:tcPr/>
+                </a:tc>
+                <a:extLst>
+                  <a:ext uri="{0D108BD9-81ED-4DB2-BD59-A6C34878D82A}">
+                    <a16:rowId xmlns:a16="http://schemas.microsoft.com/office/drawing/2014/main" val="1191288254"/>
+                  </a:ext>
+                </a:extLst>
+              </a:tr>
+              <a:tr h="370840">
+                <a:tc>
+                  <a:txBody>
+                    <a:bodyPr/>
+                    <a:lstStyle/>
+                    <a:p>
+                      <a:r>
+                        <a:rPr lang="en-US" dirty="0"/>
+                        <a:t>Model changes will not have a magnified effect.</a:t>
+                      </a:r>
+                    </a:p>
+                  </a:txBody>
+                  <a:tcPr/>
+                </a:tc>
+                <a:tc>
+                  <a:txBody>
+                    <a:bodyPr/>
+                    <a:lstStyle/>
+                    <a:p>
+                      <a:r>
+                        <a:rPr lang="en-US" dirty="0"/>
+                        <a:t>Requires multiple programmers</a:t>
+                      </a:r>
+                    </a:p>
+                  </a:txBody>
+                  <a:tcPr/>
+                </a:tc>
+                <a:extLst>
+                  <a:ext uri="{0D108BD9-81ED-4DB2-BD59-A6C34878D82A}">
+                    <a16:rowId xmlns:a16="http://schemas.microsoft.com/office/drawing/2014/main" val="2273093271"/>
+                  </a:ext>
+                </a:extLst>
+              </a:tr>
+              <a:tr h="370840">
+                <a:tc>
+                  <a:txBody>
+                    <a:bodyPr/>
+                    <a:lstStyle/>
+                    <a:p>
+                      <a:r>
+                        <a:rPr lang="en-US" dirty="0"/>
+                        <a:t>Return values are not formatted.</a:t>
+                      </a:r>
+                    </a:p>
+                  </a:txBody>
+                  <a:tcPr/>
+                </a:tc>
+                <a:tc rowSpan="2">
+                  <a:txBody>
+                    <a:bodyPr/>
+                    <a:lstStyle/>
+                    <a:p>
+                      <a:r>
+                        <a:rPr lang="en-US" dirty="0"/>
+                        <a:t>Familiarity of multiple technologies and coding languages</a:t>
+                      </a:r>
+                    </a:p>
+                  </a:txBody>
+                  <a:tcPr/>
+                </a:tc>
+                <a:extLst>
+                  <a:ext uri="{0D108BD9-81ED-4DB2-BD59-A6C34878D82A}">
+                    <a16:rowId xmlns:a16="http://schemas.microsoft.com/office/drawing/2014/main" val="2798487709"/>
+                  </a:ext>
+                </a:extLst>
+              </a:tr>
+              <a:tr h="370840">
+                <a:tc>
+                  <a:txBody>
+                    <a:bodyPr/>
+                    <a:lstStyle/>
+                    <a:p>
+                      <a:r>
+                        <a:rPr lang="en-US" dirty="0"/>
+                        <a:t>Easy to develop SEO friendly URLs</a:t>
+                      </a:r>
+                    </a:p>
+                  </a:txBody>
+                  <a:tcPr/>
+                </a:tc>
+                <a:tc vMerge="1">
+                  <a:txBody>
+                    <a:bodyPr/>
+                    <a:lstStyle/>
+                    <a:p>
+                      <a:endParaRPr lang="en-US" dirty="0"/>
+                    </a:p>
+                  </a:txBody>
+                  <a:tcPr/>
+                </a:tc>
+                <a:extLst>
+                  <a:ext uri="{0D108BD9-81ED-4DB2-BD59-A6C34878D82A}">
+                    <a16:rowId xmlns:a16="http://schemas.microsoft.com/office/drawing/2014/main" val="2485999025"/>
+                  </a:ext>
+                </a:extLst>
+              </a:tr>
+            </a:tbl>
+          </a:graphicData>
+        </a:graphic>
+      </p:graphicFrame>
+    </p:spTree>
+    <p:extLst>
+      <p:ext uri="{BB962C8B-B14F-4D97-AF65-F5344CB8AC3E}">
+        <p14:creationId xmlns:p14="http://schemas.microsoft.com/office/powerpoint/2010/main" val="1642114150"/>
+      </p:ext>
+    </p:extLst>
+  </p:cSld>
+  <p:clrMapOvr>
+    <a:masterClrMapping/>
+  </p:clrMapOvr>
+</p:sld>
+</file>
+
+<file path=ppt/slides/slide6.xml><?xml version="1.0" encoding="utf-8"?>
+<p:sld xmlns:a="http://schemas.openxmlformats.org/drawingml/2006/main" xmlns:r="http://schemas.openxmlformats.org/officeDocument/2006/relationships" xmlns:p="http://schemas.openxmlformats.org/presentationml/2006/main">
+  <p:cSld>
+    <p:spTree>
+      <p:nvGrpSpPr>
+        <p:cNvPr id="1" name=""/>
+        <p:cNvGrpSpPr/>
+        <p:nvPr/>
+      </p:nvGrpSpPr>
+      <p:grpSpPr>
+        <a:xfrm>
+          <a:off x="0" y="0"/>
+          <a:ext cx="0" cy="0"/>
+          <a:chOff x="0" y="0"/>
+          <a:chExt cx="0" cy="0"/>
+        </a:xfrm>
+      </p:grpSpPr>
+      <p:sp>
+        <p:nvSpPr>
+          <p:cNvPr id="2" name="Title 1">
+            <a:extLst>
+              <a:ext uri="{FF2B5EF4-FFF2-40B4-BE49-F238E27FC236}">
                 <a16:creationId xmlns:a16="http://schemas.microsoft.com/office/drawing/2014/main" id="{996BECE8-C6AD-4B24-BA74-C01198B0A280}"/>
               </a:ext>
             </a:extLst>
@@ -4381,135 +4771,6 @@
 </p:sld>
 </file>
 
-<file path=ppt/slides/slide6.xml><?xml version="1.0" encoding="utf-8"?>
-<p:sld xmlns:a="http://schemas.openxmlformats.org/drawingml/2006/main" xmlns:r="http://schemas.openxmlformats.org/officeDocument/2006/relationships" xmlns:p="http://schemas.openxmlformats.org/presentationml/2006/main">
-  <p:cSld>
-    <p:spTree>
-      <p:nvGrpSpPr>
-        <p:cNvPr id="1" name=""/>
-        <p:cNvGrpSpPr/>
-        <p:nvPr/>
-      </p:nvGrpSpPr>
-      <p:grpSpPr>
-        <a:xfrm>
-          <a:off x="0" y="0"/>
-          <a:ext cx="0" cy="0"/>
-          <a:chOff x="0" y="0"/>
-          <a:chExt cx="0" cy="0"/>
-        </a:xfrm>
-      </p:grpSpPr>
-      <p:sp>
-        <p:nvSpPr>
-          <p:cNvPr id="2" name="Title 1">
-            <a:extLst>
-              <a:ext uri="{FF2B5EF4-FFF2-40B4-BE49-F238E27FC236}">
-                <a16:creationId xmlns:a16="http://schemas.microsoft.com/office/drawing/2014/main" id="{08D50A91-16E7-4D17-88AE-E5A7834F1E17}"/>
-              </a:ext>
-            </a:extLst>
-          </p:cNvPr>
-          <p:cNvSpPr>
-            <a:spLocks noGrp="1"/>
-          </p:cNvSpPr>
-          <p:nvPr>
-            <p:ph type="title"/>
-          </p:nvPr>
-        </p:nvSpPr>
-        <p:spPr/>
-        <p:txBody>
-          <a:bodyPr/>
-          <a:lstStyle/>
-          <a:p>
-            <a:r>
-              <a:rPr lang="en-US" dirty="0"/>
-              <a:t>Design - Cost/Commute Time/How many Busses run </a:t>
-            </a:r>
-          </a:p>
-        </p:txBody>
-      </p:sp>
-      <p:sp>
-        <p:nvSpPr>
-          <p:cNvPr id="3" name="Content Placeholder 2">
-            <a:extLst>
-              <a:ext uri="{FF2B5EF4-FFF2-40B4-BE49-F238E27FC236}">
-                <a16:creationId xmlns:a16="http://schemas.microsoft.com/office/drawing/2014/main" id="{3BEC819A-057A-4B43-AC2B-9F6BBA6D8433}"/>
-              </a:ext>
-            </a:extLst>
-          </p:cNvPr>
-          <p:cNvSpPr>
-            <a:spLocks noGrp="1"/>
-          </p:cNvSpPr>
-          <p:nvPr>
-            <p:ph idx="1"/>
-          </p:nvPr>
-        </p:nvSpPr>
-        <p:spPr/>
-        <p:txBody>
-          <a:bodyPr/>
-          <a:lstStyle/>
-          <a:p>
-            <a:r>
-              <a:rPr lang="en-US" dirty="0"/>
-              <a:t>Based on Route Calculation</a:t>
-            </a:r>
-          </a:p>
-          <a:p>
-            <a:r>
-              <a:rPr lang="en-US" dirty="0"/>
-              <a:t>Commute Time: Sum of all vector components in a route.</a:t>
-            </a:r>
-          </a:p>
-          <a:p>
-            <a:r>
-              <a:rPr lang="en-US" dirty="0"/>
-              <a:t>Cost: Cost per bus multiplied by number of busses and fuel consumption per bus.</a:t>
-            </a:r>
-          </a:p>
-          <a:p>
-            <a:r>
-              <a:rPr lang="en-US" dirty="0"/>
-              <a:t>No. Busses calculated using a proportion system. </a:t>
-            </a:r>
-          </a:p>
-          <a:p>
-            <a:pPr lvl="1"/>
-            <a:r>
-              <a:rPr lang="en-US" dirty="0"/>
-              <a:t>E.g. if X number of people are waiting to be picked up at stop A and Y number of people are waiting to be picked up from stop B, then the number of people picked up by a given bus at stop A is given by:</a:t>
-            </a:r>
-            <a:br>
-              <a:rPr lang="en-US" dirty="0"/>
-            </a:br>
-            <a:r>
-              <a:rPr lang="en-US" dirty="0"/>
-              <a:t>				</a:t>
-            </a:r>
-            <a:br>
-              <a:rPr lang="en-US" dirty="0"/>
-            </a:br>
-            <a:r>
-              <a:rPr lang="en-US" dirty="0"/>
-              <a:t>				 X/(X + Y) * bus capacity</a:t>
-            </a:r>
-          </a:p>
-          <a:p>
-            <a:pPr lvl="1"/>
-            <a:endParaRPr lang="en-US" dirty="0"/>
-          </a:p>
-        </p:txBody>
-      </p:sp>
-    </p:spTree>
-    <p:extLst>
-      <p:ext uri="{BB962C8B-B14F-4D97-AF65-F5344CB8AC3E}">
-        <p14:creationId xmlns:p14="http://schemas.microsoft.com/office/powerpoint/2010/main" val="2862275677"/>
-      </p:ext>
-    </p:extLst>
-  </p:cSld>
-  <p:clrMapOvr>
-    <a:masterClrMapping/>
-  </p:clrMapOvr>
-</p:sld>
-</file>
-
 <file path=ppt/slides/slide7.xml><?xml version="1.0" encoding="utf-8"?>
 <p:sld xmlns:a="http://schemas.openxmlformats.org/drawingml/2006/main" xmlns:r="http://schemas.openxmlformats.org/officeDocument/2006/relationships" xmlns:p="http://schemas.openxmlformats.org/presentationml/2006/main">
   <p:cSld>
@@ -4532,6 +4793,135 @@
           <p:cNvPr id="2" name="Title 1">
             <a:extLst>
               <a:ext uri="{FF2B5EF4-FFF2-40B4-BE49-F238E27FC236}">
+                <a16:creationId xmlns:a16="http://schemas.microsoft.com/office/drawing/2014/main" id="{08D50A91-16E7-4D17-88AE-E5A7834F1E17}"/>
+              </a:ext>
+            </a:extLst>
+          </p:cNvPr>
+          <p:cNvSpPr>
+            <a:spLocks noGrp="1"/>
+          </p:cNvSpPr>
+          <p:nvPr>
+            <p:ph type="title"/>
+          </p:nvPr>
+        </p:nvSpPr>
+        <p:spPr/>
+        <p:txBody>
+          <a:bodyPr/>
+          <a:lstStyle/>
+          <a:p>
+            <a:r>
+              <a:rPr lang="en-US" dirty="0"/>
+              <a:t>Design - Cost/Commute Time/How many Busses run </a:t>
+            </a:r>
+          </a:p>
+        </p:txBody>
+      </p:sp>
+      <p:sp>
+        <p:nvSpPr>
+          <p:cNvPr id="3" name="Content Placeholder 2">
+            <a:extLst>
+              <a:ext uri="{FF2B5EF4-FFF2-40B4-BE49-F238E27FC236}">
+                <a16:creationId xmlns:a16="http://schemas.microsoft.com/office/drawing/2014/main" id="{3BEC819A-057A-4B43-AC2B-9F6BBA6D8433}"/>
+              </a:ext>
+            </a:extLst>
+          </p:cNvPr>
+          <p:cNvSpPr>
+            <a:spLocks noGrp="1"/>
+          </p:cNvSpPr>
+          <p:nvPr>
+            <p:ph idx="1"/>
+          </p:nvPr>
+        </p:nvSpPr>
+        <p:spPr/>
+        <p:txBody>
+          <a:bodyPr/>
+          <a:lstStyle/>
+          <a:p>
+            <a:r>
+              <a:rPr lang="en-US" dirty="0"/>
+              <a:t>Based on Route Calculation</a:t>
+            </a:r>
+          </a:p>
+          <a:p>
+            <a:r>
+              <a:rPr lang="en-US" dirty="0"/>
+              <a:t>Commute Time: Sum of all vector components in a route.</a:t>
+            </a:r>
+          </a:p>
+          <a:p>
+            <a:r>
+              <a:rPr lang="en-US" dirty="0"/>
+              <a:t>Cost: Cost per bus multiplied by number of busses and fuel consumption per bus.</a:t>
+            </a:r>
+          </a:p>
+          <a:p>
+            <a:r>
+              <a:rPr lang="en-US" dirty="0"/>
+              <a:t>No. Busses calculated using a proportion system. </a:t>
+            </a:r>
+          </a:p>
+          <a:p>
+            <a:pPr lvl="1"/>
+            <a:r>
+              <a:rPr lang="en-US" dirty="0"/>
+              <a:t>E.g. if X number of people are waiting to be picked up at stop A and Y number of people are waiting to be picked up from stop B, then the number of people picked up by a given bus at stop A is given by:</a:t>
+            </a:r>
+            <a:br>
+              <a:rPr lang="en-US" dirty="0"/>
+            </a:br>
+            <a:r>
+              <a:rPr lang="en-US" dirty="0"/>
+              <a:t>				</a:t>
+            </a:r>
+            <a:br>
+              <a:rPr lang="en-US" dirty="0"/>
+            </a:br>
+            <a:r>
+              <a:rPr lang="en-US" dirty="0"/>
+              <a:t>				 X/(X + Y) * bus capacity</a:t>
+            </a:r>
+          </a:p>
+          <a:p>
+            <a:pPr lvl="1"/>
+            <a:endParaRPr lang="en-US" dirty="0"/>
+          </a:p>
+        </p:txBody>
+      </p:sp>
+    </p:spTree>
+    <p:extLst>
+      <p:ext uri="{BB962C8B-B14F-4D97-AF65-F5344CB8AC3E}">
+        <p14:creationId xmlns:p14="http://schemas.microsoft.com/office/powerpoint/2010/main" val="2862275677"/>
+      </p:ext>
+    </p:extLst>
+  </p:cSld>
+  <p:clrMapOvr>
+    <a:masterClrMapping/>
+  </p:clrMapOvr>
+</p:sld>
+</file>
+
+<file path=ppt/slides/slide8.xml><?xml version="1.0" encoding="utf-8"?>
+<p:sld xmlns:a="http://schemas.openxmlformats.org/drawingml/2006/main" xmlns:r="http://schemas.openxmlformats.org/officeDocument/2006/relationships" xmlns:p="http://schemas.openxmlformats.org/presentationml/2006/main">
+  <p:cSld>
+    <p:spTree>
+      <p:nvGrpSpPr>
+        <p:cNvPr id="1" name=""/>
+        <p:cNvGrpSpPr/>
+        <p:nvPr/>
+      </p:nvGrpSpPr>
+      <p:grpSpPr>
+        <a:xfrm>
+          <a:off x="0" y="0"/>
+          <a:ext cx="0" cy="0"/>
+          <a:chOff x="0" y="0"/>
+          <a:chExt cx="0" cy="0"/>
+        </a:xfrm>
+      </p:grpSpPr>
+      <p:sp>
+        <p:nvSpPr>
+          <p:cNvPr id="2" name="Title 1">
+            <a:extLst>
+              <a:ext uri="{FF2B5EF4-FFF2-40B4-BE49-F238E27FC236}">
                 <a16:creationId xmlns:a16="http://schemas.microsoft.com/office/drawing/2014/main" id="{7A573781-7BDB-4BC9-AF1D-930F84515BD1}"/>
               </a:ext>
             </a:extLst>
@@ -4550,7 +4940,7 @@
           <a:p>
             <a:r>
               <a:rPr lang="en-US" dirty="0"/>
-              <a:t>Cost Effectiveness</a:t>
+              <a:t>Results</a:t>
             </a:r>
           </a:p>
         </p:txBody>
